--- a/수업자료/실습/객체지향프로그래밍 실습문제/lv3_BookManager.pptx
+++ b/수업자료/실습/객체지향프로그래밍 실습문제/lv3_BookManager.pptx
@@ -248,7 +248,7 @@
           <a:p>
             <a:fld id="{D63378E3-BCF1-40EC-A971-339B6685CC96}" type="datetimeFigureOut">
               <a:rPr lang="ko-KR" altLang="en-US" smtClean="0"/>
-              <a:t>2021-05-28</a:t>
+              <a:t>2021-06-16</a:t>
             </a:fld>
             <a:endParaRPr lang="ko-KR" altLang="en-US"/>
           </a:p>
@@ -418,7 +418,7 @@
           <a:p>
             <a:fld id="{D63378E3-BCF1-40EC-A971-339B6685CC96}" type="datetimeFigureOut">
               <a:rPr lang="ko-KR" altLang="en-US" smtClean="0"/>
-              <a:t>2021-05-28</a:t>
+              <a:t>2021-06-16</a:t>
             </a:fld>
             <a:endParaRPr lang="ko-KR" altLang="en-US"/>
           </a:p>
@@ -598,7 +598,7 @@
           <a:p>
             <a:fld id="{D63378E3-BCF1-40EC-A971-339B6685CC96}" type="datetimeFigureOut">
               <a:rPr lang="ko-KR" altLang="en-US" smtClean="0"/>
-              <a:t>2021-05-28</a:t>
+              <a:t>2021-06-16</a:t>
             </a:fld>
             <a:endParaRPr lang="ko-KR" altLang="en-US"/>
           </a:p>
@@ -768,7 +768,7 @@
           <a:p>
             <a:fld id="{D63378E3-BCF1-40EC-A971-339B6685CC96}" type="datetimeFigureOut">
               <a:rPr lang="ko-KR" altLang="en-US" smtClean="0"/>
-              <a:t>2021-05-28</a:t>
+              <a:t>2021-06-16</a:t>
             </a:fld>
             <a:endParaRPr lang="ko-KR" altLang="en-US"/>
           </a:p>
@@ -1014,7 +1014,7 @@
           <a:p>
             <a:fld id="{D63378E3-BCF1-40EC-A971-339B6685CC96}" type="datetimeFigureOut">
               <a:rPr lang="ko-KR" altLang="en-US" smtClean="0"/>
-              <a:t>2021-05-28</a:t>
+              <a:t>2021-06-16</a:t>
             </a:fld>
             <a:endParaRPr lang="ko-KR" altLang="en-US"/>
           </a:p>
@@ -1246,7 +1246,7 @@
           <a:p>
             <a:fld id="{D63378E3-BCF1-40EC-A971-339B6685CC96}" type="datetimeFigureOut">
               <a:rPr lang="ko-KR" altLang="en-US" smtClean="0"/>
-              <a:t>2021-05-28</a:t>
+              <a:t>2021-06-16</a:t>
             </a:fld>
             <a:endParaRPr lang="ko-KR" altLang="en-US"/>
           </a:p>
@@ -1613,7 +1613,7 @@
           <a:p>
             <a:fld id="{D63378E3-BCF1-40EC-A971-339B6685CC96}" type="datetimeFigureOut">
               <a:rPr lang="ko-KR" altLang="en-US" smtClean="0"/>
-              <a:t>2021-05-28</a:t>
+              <a:t>2021-06-16</a:t>
             </a:fld>
             <a:endParaRPr lang="ko-KR" altLang="en-US"/>
           </a:p>
@@ -1731,7 +1731,7 @@
           <a:p>
             <a:fld id="{D63378E3-BCF1-40EC-A971-339B6685CC96}" type="datetimeFigureOut">
               <a:rPr lang="ko-KR" altLang="en-US" smtClean="0"/>
-              <a:t>2021-05-28</a:t>
+              <a:t>2021-06-16</a:t>
             </a:fld>
             <a:endParaRPr lang="ko-KR" altLang="en-US"/>
           </a:p>
@@ -1826,7 +1826,7 @@
           <a:p>
             <a:fld id="{D63378E3-BCF1-40EC-A971-339B6685CC96}" type="datetimeFigureOut">
               <a:rPr lang="ko-KR" altLang="en-US" smtClean="0"/>
-              <a:t>2021-05-28</a:t>
+              <a:t>2021-06-16</a:t>
             </a:fld>
             <a:endParaRPr lang="ko-KR" altLang="en-US"/>
           </a:p>
@@ -2103,7 +2103,7 @@
           <a:p>
             <a:fld id="{D63378E3-BCF1-40EC-A971-339B6685CC96}" type="datetimeFigureOut">
               <a:rPr lang="ko-KR" altLang="en-US" smtClean="0"/>
-              <a:t>2021-05-28</a:t>
+              <a:t>2021-06-16</a:t>
             </a:fld>
             <a:endParaRPr lang="ko-KR" altLang="en-US"/>
           </a:p>
@@ -2356,7 +2356,7 @@
           <a:p>
             <a:fld id="{D63378E3-BCF1-40EC-A971-339B6685CC96}" type="datetimeFigureOut">
               <a:rPr lang="ko-KR" altLang="en-US" smtClean="0"/>
-              <a:t>2021-05-28</a:t>
+              <a:t>2021-06-16</a:t>
             </a:fld>
             <a:endParaRPr lang="ko-KR" altLang="en-US"/>
           </a:p>
@@ -2569,7 +2569,7 @@
           <a:p>
             <a:fld id="{D63378E3-BCF1-40EC-A971-339B6685CC96}" type="datetimeFigureOut">
               <a:rPr lang="ko-KR" altLang="en-US" smtClean="0"/>
-              <a:t>2021-05-28</a:t>
+              <a:t>2021-06-16</a:t>
             </a:fld>
             <a:endParaRPr lang="ko-KR" altLang="en-US"/>
           </a:p>
@@ -3043,7 +3043,7 @@
         </p:nvSpPr>
         <p:spPr>
           <a:xfrm>
-            <a:off x="469900" y="842099"/>
+            <a:off x="444500" y="702399"/>
             <a:ext cx="11074400" cy="5047536"/>
           </a:xfrm>
           <a:prstGeom prst="rect">
@@ -3136,7 +3136,15 @@
             </a:r>
             <a:r>
               <a:rPr lang="ko-KR" altLang="ko-KR" sz="1600" b="1" smtClean="0"/>
-              <a:t>도서검색</a:t>
+              <a:t>도서</a:t>
+            </a:r>
+            <a:r>
+              <a:rPr lang="ko-KR" altLang="en-US" sz="1600" b="1" smtClean="0"/>
+              <a:t>제목</a:t>
+            </a:r>
+            <a:r>
+              <a:rPr lang="ko-KR" altLang="ko-KR" sz="1600" b="1" smtClean="0"/>
+              <a:t>검색</a:t>
             </a:r>
             <a:r>
               <a:rPr lang="en-US" altLang="ko-KR" sz="1600" b="1" smtClean="0"/>
@@ -3273,7 +3281,7 @@
           <a:p>
             <a:r>
               <a:rPr lang="en-US" altLang="ko-KR" sz="1600" smtClean="0"/>
-              <a:t>   -</a:t>
+              <a:t>   - </a:t>
             </a:r>
             <a:r>
               <a:rPr lang="ko-KR" altLang="ko-KR" sz="1600" smtClean="0"/>
@@ -3316,12 +3324,17 @@
               <a:rPr lang="en-US" altLang="ko-KR" sz="1600" smtClean="0"/>
               <a:t>.</a:t>
             </a:r>
-          </a:p>
-          <a:p>
             <a:endParaRPr lang="en-US" altLang="ko-KR" sz="1600"/>
           </a:p>
           <a:p>
-            <a:endParaRPr lang="ko-KR" altLang="ko-KR" sz="1600"/>
+            <a:endParaRPr lang="en-US" altLang="ko-KR" sz="1600" smtClean="0"/>
+          </a:p>
+          <a:p>
+            <a:r>
+              <a:rPr lang="ko-KR" altLang="en-US" sz="1600" b="1" smtClean="0"/>
+              <a:t>사용 데이터</a:t>
+            </a:r>
+            <a:endParaRPr lang="ko-KR" altLang="ko-KR" sz="1600" b="1"/>
           </a:p>
         </p:txBody>
       </p:sp>
@@ -3355,6 +3368,30 @@
           </a:p>
         </p:txBody>
       </p:sp>
+      <p:pic>
+        <p:nvPicPr>
+          <p:cNvPr id="2" name="그림 1"/>
+          <p:cNvPicPr>
+            <a:picLocks noChangeAspect="1"/>
+          </p:cNvPicPr>
+          <p:nvPr/>
+        </p:nvPicPr>
+        <p:blipFill>
+          <a:blip r:embed="rId2"/>
+          <a:stretch>
+            <a:fillRect/>
+          </a:stretch>
+        </p:blipFill>
+        <p:spPr>
+          <a:xfrm>
+            <a:off x="444500" y="5749935"/>
+            <a:ext cx="6068272" cy="762106"/>
+          </a:xfrm>
+          <a:prstGeom prst="rect">
+            <a:avLst/>
+          </a:prstGeom>
+        </p:spPr>
+      </p:pic>
     </p:spTree>
     <p:extLst>
       <p:ext uri="{BB962C8B-B14F-4D97-AF65-F5344CB8AC3E}">
@@ -3417,7 +3454,7 @@
       </p:sp>
       <p:pic>
         <p:nvPicPr>
-          <p:cNvPr id="5" name="그림 4"/>
+          <p:cNvPr id="2" name="그림 1"/>
           <p:cNvPicPr>
             <a:picLocks noChangeAspect="1"/>
           </p:cNvPicPr>
@@ -3431,8 +3468,8 @@
         </p:blipFill>
         <p:spPr>
           <a:xfrm>
-            <a:off x="1550140" y="797112"/>
-            <a:ext cx="8533660" cy="5635813"/>
+            <a:off x="532821" y="675900"/>
+            <a:ext cx="8287907" cy="5372850"/>
           </a:xfrm>
           <a:prstGeom prst="rect">
             <a:avLst/>
